--- a/PPT/인덱스 페이지.pptx
+++ b/PPT/인덱스 페이지.pptx
@@ -107,6 +107,11 @@
       </a:defRPr>
     </a:lvl9pPr>
   </p:defaultTextStyle>
+  <p:extLst>
+    <p:ext uri="{EFAFB233-063F-42B5-8137-9DF3F51BA10A}">
+      <p15:sldGuideLst xmlns:p15="http://schemas.microsoft.com/office/powerpoint/2012/main"/>
+    </p:ext>
+  </p:extLst>
 </p:presentation>
 </file>
 
@@ -257,7 +262,7 @@
           <a:p>
             <a:fld id="{5C91E13C-D93E-47E3-A893-4F41FC48922A}" type="datetimeFigureOut">
               <a:rPr lang="ko-KR" altLang="en-US" smtClean="0"/>
-              <a:t>2023-10-15</a:t>
+              <a:t>2023-10-17</a:t>
             </a:fld>
             <a:endParaRPr lang="ko-KR" altLang="en-US"/>
           </a:p>
@@ -455,7 +460,7 @@
           <a:p>
             <a:fld id="{5C91E13C-D93E-47E3-A893-4F41FC48922A}" type="datetimeFigureOut">
               <a:rPr lang="ko-KR" altLang="en-US" smtClean="0"/>
-              <a:t>2023-10-15</a:t>
+              <a:t>2023-10-17</a:t>
             </a:fld>
             <a:endParaRPr lang="ko-KR" altLang="en-US"/>
           </a:p>
@@ -663,7 +668,7 @@
           <a:p>
             <a:fld id="{5C91E13C-D93E-47E3-A893-4F41FC48922A}" type="datetimeFigureOut">
               <a:rPr lang="ko-KR" altLang="en-US" smtClean="0"/>
-              <a:t>2023-10-15</a:t>
+              <a:t>2023-10-17</a:t>
             </a:fld>
             <a:endParaRPr lang="ko-KR" altLang="en-US"/>
           </a:p>
@@ -861,7 +866,7 @@
           <a:p>
             <a:fld id="{5C91E13C-D93E-47E3-A893-4F41FC48922A}" type="datetimeFigureOut">
               <a:rPr lang="ko-KR" altLang="en-US" smtClean="0"/>
-              <a:t>2023-10-15</a:t>
+              <a:t>2023-10-17</a:t>
             </a:fld>
             <a:endParaRPr lang="ko-KR" altLang="en-US"/>
           </a:p>
@@ -1136,7 +1141,7 @@
           <a:p>
             <a:fld id="{5C91E13C-D93E-47E3-A893-4F41FC48922A}" type="datetimeFigureOut">
               <a:rPr lang="ko-KR" altLang="en-US" smtClean="0"/>
-              <a:t>2023-10-15</a:t>
+              <a:t>2023-10-17</a:t>
             </a:fld>
             <a:endParaRPr lang="ko-KR" altLang="en-US"/>
           </a:p>
@@ -1401,7 +1406,7 @@
           <a:p>
             <a:fld id="{5C91E13C-D93E-47E3-A893-4F41FC48922A}" type="datetimeFigureOut">
               <a:rPr lang="ko-KR" altLang="en-US" smtClean="0"/>
-              <a:t>2023-10-15</a:t>
+              <a:t>2023-10-17</a:t>
             </a:fld>
             <a:endParaRPr lang="ko-KR" altLang="en-US"/>
           </a:p>
@@ -1813,7 +1818,7 @@
           <a:p>
             <a:fld id="{5C91E13C-D93E-47E3-A893-4F41FC48922A}" type="datetimeFigureOut">
               <a:rPr lang="ko-KR" altLang="en-US" smtClean="0"/>
-              <a:t>2023-10-15</a:t>
+              <a:t>2023-10-17</a:t>
             </a:fld>
             <a:endParaRPr lang="ko-KR" altLang="en-US"/>
           </a:p>
@@ -1954,7 +1959,7 @@
           <a:p>
             <a:fld id="{5C91E13C-D93E-47E3-A893-4F41FC48922A}" type="datetimeFigureOut">
               <a:rPr lang="ko-KR" altLang="en-US" smtClean="0"/>
-              <a:t>2023-10-15</a:t>
+              <a:t>2023-10-17</a:t>
             </a:fld>
             <a:endParaRPr lang="ko-KR" altLang="en-US"/>
           </a:p>
@@ -2067,7 +2072,7 @@
           <a:p>
             <a:fld id="{5C91E13C-D93E-47E3-A893-4F41FC48922A}" type="datetimeFigureOut">
               <a:rPr lang="ko-KR" altLang="en-US" smtClean="0"/>
-              <a:t>2023-10-15</a:t>
+              <a:t>2023-10-17</a:t>
             </a:fld>
             <a:endParaRPr lang="ko-KR" altLang="en-US"/>
           </a:p>
@@ -2378,7 +2383,7 @@
           <a:p>
             <a:fld id="{5C91E13C-D93E-47E3-A893-4F41FC48922A}" type="datetimeFigureOut">
               <a:rPr lang="ko-KR" altLang="en-US" smtClean="0"/>
-              <a:t>2023-10-15</a:t>
+              <a:t>2023-10-17</a:t>
             </a:fld>
             <a:endParaRPr lang="ko-KR" altLang="en-US"/>
           </a:p>
@@ -2666,7 +2671,7 @@
           <a:p>
             <a:fld id="{5C91E13C-D93E-47E3-A893-4F41FC48922A}" type="datetimeFigureOut">
               <a:rPr lang="ko-KR" altLang="en-US" smtClean="0"/>
-              <a:t>2023-10-15</a:t>
+              <a:t>2023-10-17</a:t>
             </a:fld>
             <a:endParaRPr lang="ko-KR" altLang="en-US"/>
           </a:p>
@@ -2907,7 +2912,7 @@
           <a:p>
             <a:fld id="{5C91E13C-D93E-47E3-A893-4F41FC48922A}" type="datetimeFigureOut">
               <a:rPr lang="ko-KR" altLang="en-US" smtClean="0"/>
-              <a:t>2023-10-15</a:t>
+              <a:t>2023-10-17</a:t>
             </a:fld>
             <a:endParaRPr lang="ko-KR" altLang="en-US"/>
           </a:p>
@@ -4307,7 +4312,7 @@
         </p:nvSpPr>
         <p:spPr>
           <a:xfrm>
-            <a:off x="7708083" y="480769"/>
+            <a:off x="6454318" y="468450"/>
             <a:ext cx="1216058" cy="276999"/>
           </a:xfrm>
           <a:prstGeom prst="rect">
@@ -4343,7 +4348,7 @@
         </p:nvSpPr>
         <p:spPr>
           <a:xfrm>
-            <a:off x="8924141" y="480768"/>
+            <a:off x="7670376" y="468449"/>
             <a:ext cx="1216058" cy="276999"/>
           </a:xfrm>
           <a:prstGeom prst="rect">
@@ -4378,7 +4383,7 @@
         </p:nvSpPr>
         <p:spPr>
           <a:xfrm>
-            <a:off x="10047736" y="480767"/>
+            <a:off x="8793971" y="468448"/>
             <a:ext cx="1216058" cy="276999"/>
           </a:xfrm>
           <a:prstGeom prst="rect">
@@ -5408,6 +5413,42 @@
           </p:spPr>
         </p:pic>
       </p:grpSp>
+      <p:sp>
+        <p:nvSpPr>
+          <p:cNvPr id="3" name="TextBox 2">
+            <a:extLst>
+              <a:ext uri="{FF2B5EF4-FFF2-40B4-BE49-F238E27FC236}">
+                <a16:creationId xmlns:a16="http://schemas.microsoft.com/office/drawing/2014/main" id="{E0B09344-687A-325C-D4FB-C9F3BBD66A8A}"/>
+              </a:ext>
+            </a:extLst>
+          </p:cNvPr>
+          <p:cNvSpPr txBox="1"/>
+          <p:nvPr/>
+        </p:nvSpPr>
+        <p:spPr>
+          <a:xfrm>
+            <a:off x="10102089" y="460963"/>
+            <a:ext cx="1216058" cy="276999"/>
+          </a:xfrm>
+          <a:prstGeom prst="rect">
+            <a:avLst/>
+          </a:prstGeom>
+          <a:noFill/>
+        </p:spPr>
+        <p:txBody>
+          <a:bodyPr wrap="square" rtlCol="0">
+            <a:spAutoFit/>
+          </a:bodyPr>
+          <a:lstStyle/>
+          <a:p>
+            <a:r>
+              <a:rPr lang="ko-KR" altLang="en-US" sz="1200"/>
+              <a:t>고객센터</a:t>
+            </a:r>
+            <a:endParaRPr lang="ko-KR" altLang="en-US" sz="1200" dirty="0"/>
+          </a:p>
+        </p:txBody>
+      </p:sp>
     </p:spTree>
     <p:extLst>
       <p:ext uri="{BB962C8B-B14F-4D97-AF65-F5344CB8AC3E}">
@@ -6311,10 +6352,10 @@
       </p:sp>
       <p:sp>
         <p:nvSpPr>
-          <p:cNvPr id="13" name="TextBox 12">
-            <a:extLst>
-              <a:ext uri="{FF2B5EF4-FFF2-40B4-BE49-F238E27FC236}">
-                <a16:creationId xmlns:a16="http://schemas.microsoft.com/office/drawing/2014/main" id="{09BCE134-55C5-1F5F-C9C9-885450B579A5}"/>
+          <p:cNvPr id="14" name="TextBox 13">
+            <a:extLst>
+              <a:ext uri="{FF2B5EF4-FFF2-40B4-BE49-F238E27FC236}">
+                <a16:creationId xmlns:a16="http://schemas.microsoft.com/office/drawing/2014/main" id="{DD312DA6-4793-76AA-7416-AA6A8A69E9AC}"/>
               </a:ext>
             </a:extLst>
           </p:cNvPr>
@@ -6323,54 +6364,7 @@
         </p:nvSpPr>
         <p:spPr>
           <a:xfrm>
-            <a:off x="1574277" y="3622768"/>
-            <a:ext cx="1319753" cy="369332"/>
-          </a:xfrm>
-          <a:prstGeom prst="rect">
-            <a:avLst/>
-          </a:prstGeom>
-          <a:noFill/>
-        </p:spPr>
-        <p:txBody>
-          <a:bodyPr wrap="square" rtlCol="0">
-            <a:spAutoFit/>
-          </a:bodyPr>
-          <a:lstStyle/>
-          <a:p>
-            <a:r>
-              <a:rPr lang="en-US" altLang="ko-KR" dirty="0">
-                <a:solidFill>
-                  <a:schemeClr val="bg1"/>
-                </a:solidFill>
-              </a:rPr>
-              <a:t>1:1 </a:t>
-            </a:r>
-            <a:r>
-              <a:rPr lang="ko-KR" altLang="en-US" dirty="0">
-                <a:solidFill>
-                  <a:schemeClr val="bg1"/>
-                </a:solidFill>
-              </a:rPr>
-              <a:t>문의</a:t>
-            </a:r>
-          </a:p>
-        </p:txBody>
-      </p:sp>
-      <p:sp>
-        <p:nvSpPr>
-          <p:cNvPr id="14" name="TextBox 13">
-            <a:extLst>
-              <a:ext uri="{FF2B5EF4-FFF2-40B4-BE49-F238E27FC236}">
-                <a16:creationId xmlns:a16="http://schemas.microsoft.com/office/drawing/2014/main" id="{DD312DA6-4793-76AA-7416-AA6A8A69E9AC}"/>
-              </a:ext>
-            </a:extLst>
-          </p:cNvPr>
-          <p:cNvSpPr txBox="1"/>
-          <p:nvPr/>
-        </p:nvSpPr>
-        <p:spPr>
-          <a:xfrm>
-            <a:off x="2894030" y="3622768"/>
+            <a:off x="1425020" y="3622768"/>
             <a:ext cx="2072325" cy="369332"/>
           </a:xfrm>
           <a:prstGeom prst="rect">
